--- a/storage/app/public/slide/Antema 1 - Masina, Masina, Masina.pptx
+++ b/storage/app/public/slide/Antema 1 - Masina, Masina, Masina.pptx
@@ -244,7 +244,7 @@
           <a:p>
             <a:fld id="{683871E3-31DD-4FE3-B99B-055BEFB3EBAE}" type="datetimeFigureOut">
               <a:rPr lang="fr-FR" smtClean="0"/>
-              <a:t>22/10/2023</a:t>
+              <a:t>16/11/2023</a:t>
             </a:fld>
             <a:endParaRPr lang="fr-FR"/>
           </a:p>
@@ -414,7 +414,7 @@
           <a:p>
             <a:fld id="{683871E3-31DD-4FE3-B99B-055BEFB3EBAE}" type="datetimeFigureOut">
               <a:rPr lang="fr-FR" smtClean="0"/>
-              <a:t>22/10/2023</a:t>
+              <a:t>16/11/2023</a:t>
             </a:fld>
             <a:endParaRPr lang="fr-FR"/>
           </a:p>
@@ -594,7 +594,7 @@
           <a:p>
             <a:fld id="{683871E3-31DD-4FE3-B99B-055BEFB3EBAE}" type="datetimeFigureOut">
               <a:rPr lang="fr-FR" smtClean="0"/>
-              <a:t>22/10/2023</a:t>
+              <a:t>16/11/2023</a:t>
             </a:fld>
             <a:endParaRPr lang="fr-FR"/>
           </a:p>
@@ -764,7 +764,7 @@
           <a:p>
             <a:fld id="{683871E3-31DD-4FE3-B99B-055BEFB3EBAE}" type="datetimeFigureOut">
               <a:rPr lang="fr-FR" smtClean="0"/>
-              <a:t>22/10/2023</a:t>
+              <a:t>16/11/2023</a:t>
             </a:fld>
             <a:endParaRPr lang="fr-FR"/>
           </a:p>
@@ -1008,7 +1008,7 @@
           <a:p>
             <a:fld id="{683871E3-31DD-4FE3-B99B-055BEFB3EBAE}" type="datetimeFigureOut">
               <a:rPr lang="fr-FR" smtClean="0"/>
-              <a:t>22/10/2023</a:t>
+              <a:t>16/11/2023</a:t>
             </a:fld>
             <a:endParaRPr lang="fr-FR"/>
           </a:p>
@@ -1240,7 +1240,7 @@
           <a:p>
             <a:fld id="{683871E3-31DD-4FE3-B99B-055BEFB3EBAE}" type="datetimeFigureOut">
               <a:rPr lang="fr-FR" smtClean="0"/>
-              <a:t>22/10/2023</a:t>
+              <a:t>16/11/2023</a:t>
             </a:fld>
             <a:endParaRPr lang="fr-FR"/>
           </a:p>
@@ -1607,7 +1607,7 @@
           <a:p>
             <a:fld id="{683871E3-31DD-4FE3-B99B-055BEFB3EBAE}" type="datetimeFigureOut">
               <a:rPr lang="fr-FR" smtClean="0"/>
-              <a:t>22/10/2023</a:t>
+              <a:t>16/11/2023</a:t>
             </a:fld>
             <a:endParaRPr lang="fr-FR"/>
           </a:p>
@@ -1725,7 +1725,7 @@
           <a:p>
             <a:fld id="{683871E3-31DD-4FE3-B99B-055BEFB3EBAE}" type="datetimeFigureOut">
               <a:rPr lang="fr-FR" smtClean="0"/>
-              <a:t>22/10/2023</a:t>
+              <a:t>16/11/2023</a:t>
             </a:fld>
             <a:endParaRPr lang="fr-FR"/>
           </a:p>
@@ -1820,7 +1820,7 @@
           <a:p>
             <a:fld id="{683871E3-31DD-4FE3-B99B-055BEFB3EBAE}" type="datetimeFigureOut">
               <a:rPr lang="fr-FR" smtClean="0"/>
-              <a:t>22/10/2023</a:t>
+              <a:t>16/11/2023</a:t>
             </a:fld>
             <a:endParaRPr lang="fr-FR"/>
           </a:p>
@@ -2097,7 +2097,7 @@
           <a:p>
             <a:fld id="{683871E3-31DD-4FE3-B99B-055BEFB3EBAE}" type="datetimeFigureOut">
               <a:rPr lang="fr-FR" smtClean="0"/>
-              <a:t>22/10/2023</a:t>
+              <a:t>16/11/2023</a:t>
             </a:fld>
             <a:endParaRPr lang="fr-FR"/>
           </a:p>
@@ -2354,7 +2354,7 @@
           <a:p>
             <a:fld id="{683871E3-31DD-4FE3-B99B-055BEFB3EBAE}" type="datetimeFigureOut">
               <a:rPr lang="fr-FR" smtClean="0"/>
-              <a:t>22/10/2023</a:t>
+              <a:t>16/11/2023</a:t>
             </a:fld>
             <a:endParaRPr lang="fr-FR"/>
           </a:p>
@@ -2567,7 +2567,7 @@
           <a:p>
             <a:fld id="{683871E3-31DD-4FE3-B99B-055BEFB3EBAE}" type="datetimeFigureOut">
               <a:rPr lang="fr-FR" smtClean="0"/>
-              <a:t>22/10/2023</a:t>
+              <a:t>16/11/2023</a:t>
             </a:fld>
             <a:endParaRPr lang="fr-FR"/>
           </a:p>
@@ -3022,43 +3022,23 @@
             </a:r>
             <a:r>
               <a:rPr lang="fr-FR" sz="8000" dirty="0" err="1" smtClean="0">
-                <a:solidFill>
-                  <a:schemeClr val="bg2">
-                    <a:lumMod val="25000"/>
-                  </a:schemeClr>
-                </a:solidFill>
                 <a:latin typeface="Helvetica Inserat LT Std" panose="020B0806030702050204" pitchFamily="34" charset="0"/>
               </a:rPr>
               <a:t>Masina</a:t>
             </a:r>
             <a:r>
               <a:rPr lang="fr-FR" sz="8000" dirty="0" smtClean="0">
-                <a:solidFill>
-                  <a:schemeClr val="bg2">
-                    <a:lumMod val="25000"/>
-                  </a:schemeClr>
-                </a:solidFill>
                 <a:latin typeface="Helvetica Inserat LT Std" panose="020B0806030702050204" pitchFamily="34" charset="0"/>
               </a:rPr>
               <a:t>, </a:t>
             </a:r>
             <a:r>
               <a:rPr lang="fr-FR" sz="8000" dirty="0" err="1" smtClean="0">
-                <a:solidFill>
-                  <a:schemeClr val="bg2">
-                    <a:lumMod val="25000"/>
-                  </a:schemeClr>
-                </a:solidFill>
                 <a:latin typeface="Helvetica Inserat LT Std" panose="020B0806030702050204" pitchFamily="34" charset="0"/>
               </a:rPr>
               <a:t>Masina</a:t>
             </a:r>
             <a:endParaRPr lang="fr-FR" sz="8000" dirty="0">
-              <a:solidFill>
-                <a:schemeClr val="bg2">
-                  <a:lumMod val="25000"/>
-                </a:schemeClr>
-              </a:solidFill>
               <a:latin typeface="Helvetica Inserat LT Std" panose="020B0806030702050204" pitchFamily="34" charset="0"/>
             </a:endParaRPr>
           </a:p>

--- a/storage/app/public/slide/Antema 1 - Masina, Masina, Masina.pptx
+++ b/storage/app/public/slide/Antema 1 - Masina, Masina, Masina.pptx
@@ -244,7 +244,7 @@
           <a:p>
             <a:fld id="{683871E3-31DD-4FE3-B99B-055BEFB3EBAE}" type="datetimeFigureOut">
               <a:rPr lang="fr-FR" smtClean="0"/>
-              <a:t>16/11/2023</a:t>
+              <a:t>19/11/2023</a:t>
             </a:fld>
             <a:endParaRPr lang="fr-FR"/>
           </a:p>
@@ -414,7 +414,7 @@
           <a:p>
             <a:fld id="{683871E3-31DD-4FE3-B99B-055BEFB3EBAE}" type="datetimeFigureOut">
               <a:rPr lang="fr-FR" smtClean="0"/>
-              <a:t>16/11/2023</a:t>
+              <a:t>19/11/2023</a:t>
             </a:fld>
             <a:endParaRPr lang="fr-FR"/>
           </a:p>
@@ -594,7 +594,7 @@
           <a:p>
             <a:fld id="{683871E3-31DD-4FE3-B99B-055BEFB3EBAE}" type="datetimeFigureOut">
               <a:rPr lang="fr-FR" smtClean="0"/>
-              <a:t>16/11/2023</a:t>
+              <a:t>19/11/2023</a:t>
             </a:fld>
             <a:endParaRPr lang="fr-FR"/>
           </a:p>
@@ -764,7 +764,7 @@
           <a:p>
             <a:fld id="{683871E3-31DD-4FE3-B99B-055BEFB3EBAE}" type="datetimeFigureOut">
               <a:rPr lang="fr-FR" smtClean="0"/>
-              <a:t>16/11/2023</a:t>
+              <a:t>19/11/2023</a:t>
             </a:fld>
             <a:endParaRPr lang="fr-FR"/>
           </a:p>
@@ -1008,7 +1008,7 @@
           <a:p>
             <a:fld id="{683871E3-31DD-4FE3-B99B-055BEFB3EBAE}" type="datetimeFigureOut">
               <a:rPr lang="fr-FR" smtClean="0"/>
-              <a:t>16/11/2023</a:t>
+              <a:t>19/11/2023</a:t>
             </a:fld>
             <a:endParaRPr lang="fr-FR"/>
           </a:p>
@@ -1240,7 +1240,7 @@
           <a:p>
             <a:fld id="{683871E3-31DD-4FE3-B99B-055BEFB3EBAE}" type="datetimeFigureOut">
               <a:rPr lang="fr-FR" smtClean="0"/>
-              <a:t>16/11/2023</a:t>
+              <a:t>19/11/2023</a:t>
             </a:fld>
             <a:endParaRPr lang="fr-FR"/>
           </a:p>
@@ -1607,7 +1607,7 @@
           <a:p>
             <a:fld id="{683871E3-31DD-4FE3-B99B-055BEFB3EBAE}" type="datetimeFigureOut">
               <a:rPr lang="fr-FR" smtClean="0"/>
-              <a:t>16/11/2023</a:t>
+              <a:t>19/11/2023</a:t>
             </a:fld>
             <a:endParaRPr lang="fr-FR"/>
           </a:p>
@@ -1725,7 +1725,7 @@
           <a:p>
             <a:fld id="{683871E3-31DD-4FE3-B99B-055BEFB3EBAE}" type="datetimeFigureOut">
               <a:rPr lang="fr-FR" smtClean="0"/>
-              <a:t>16/11/2023</a:t>
+              <a:t>19/11/2023</a:t>
             </a:fld>
             <a:endParaRPr lang="fr-FR"/>
           </a:p>
@@ -1820,7 +1820,7 @@
           <a:p>
             <a:fld id="{683871E3-31DD-4FE3-B99B-055BEFB3EBAE}" type="datetimeFigureOut">
               <a:rPr lang="fr-FR" smtClean="0"/>
-              <a:t>16/11/2023</a:t>
+              <a:t>19/11/2023</a:t>
             </a:fld>
             <a:endParaRPr lang="fr-FR"/>
           </a:p>
@@ -2097,7 +2097,7 @@
           <a:p>
             <a:fld id="{683871E3-31DD-4FE3-B99B-055BEFB3EBAE}" type="datetimeFigureOut">
               <a:rPr lang="fr-FR" smtClean="0"/>
-              <a:t>16/11/2023</a:t>
+              <a:t>19/11/2023</a:t>
             </a:fld>
             <a:endParaRPr lang="fr-FR"/>
           </a:p>
@@ -2354,7 +2354,7 @@
           <a:p>
             <a:fld id="{683871E3-31DD-4FE3-B99B-055BEFB3EBAE}" type="datetimeFigureOut">
               <a:rPr lang="fr-FR" smtClean="0"/>
-              <a:t>16/11/2023</a:t>
+              <a:t>19/11/2023</a:t>
             </a:fld>
             <a:endParaRPr lang="fr-FR"/>
           </a:p>
@@ -2567,7 +2567,7 @@
           <a:p>
             <a:fld id="{683871E3-31DD-4FE3-B99B-055BEFB3EBAE}" type="datetimeFigureOut">
               <a:rPr lang="fr-FR" smtClean="0"/>
-              <a:t>16/11/2023</a:t>
+              <a:t>19/11/2023</a:t>
             </a:fld>
             <a:endParaRPr lang="fr-FR"/>
           </a:p>
